--- a/Santa Trackers.pptx
+++ b/Santa Trackers.pptx
@@ -8,6 +8,12 @@
     <p:sldId id="256" r:id="rId2"/>
     <p:sldId id="257" r:id="rId3"/>
     <p:sldId id="258" r:id="rId4"/>
+    <p:sldId id="259" r:id="rId5"/>
+    <p:sldId id="262" r:id="rId6"/>
+    <p:sldId id="260" r:id="rId7"/>
+    <p:sldId id="263" r:id="rId8"/>
+    <p:sldId id="261" r:id="rId9"/>
+    <p:sldId id="264" r:id="rId10"/>
   </p:sldIdLst>
   <p:sldSz cx="12192000" cy="6858000"/>
   <p:notesSz cx="6858000" cy="9144000"/>
@@ -5729,7 +5735,7 @@
         </p:spPr>
         <p:txBody>
           <a:bodyPr>
-            <a:normAutofit/>
+            <a:normAutofit fontScale="92500" lnSpcReduction="10000"/>
           </a:bodyPr>
           <a:lstStyle/>
           <a:p>
@@ -5741,7 +5747,19 @@
           <a:p>
             <a:r>
               <a:rPr lang="en-GB" sz="1800" dirty="0"/>
-              <a:t>Made By Callum Wade 2404781</a:t>
+              <a:t>Made By </a:t>
+            </a:r>
+          </a:p>
+          <a:p>
+            <a:r>
+              <a:rPr lang="en-GB" sz="1800" dirty="0"/>
+              <a:t>Callum Wade </a:t>
+            </a:r>
+          </a:p>
+          <a:p>
+            <a:r>
+              <a:rPr lang="en-GB" sz="1800" dirty="0"/>
+              <a:t>2404781</a:t>
             </a:r>
           </a:p>
           <a:p>
@@ -9317,6 +9335,729 @@
     <p:extLst>
       <p:ext uri="{BB962C8B-B14F-4D97-AF65-F5344CB8AC3E}">
         <p14:creationId xmlns:p14="http://schemas.microsoft.com/office/powerpoint/2010/main" val="3881931912"/>
+      </p:ext>
+    </p:extLst>
+  </p:cSld>
+  <p:clrMapOvr>
+    <a:masterClrMapping/>
+  </p:clrMapOvr>
+</p:sld>
+</file>
+
+<file path=ppt/slides/slide4.xml><?xml version="1.0" encoding="utf-8"?>
+<p:sld xmlns:a="http://schemas.openxmlformats.org/drawingml/2006/main" xmlns:r="http://schemas.openxmlformats.org/officeDocument/2006/relationships" xmlns:p="http://schemas.openxmlformats.org/presentationml/2006/main">
+  <p:cSld>
+    <p:spTree>
+      <p:nvGrpSpPr>
+        <p:cNvPr id="1" name="">
+          <a:extLst>
+            <a:ext uri="{FF2B5EF4-FFF2-40B4-BE49-F238E27FC236}">
+              <a16:creationId xmlns:a16="http://schemas.microsoft.com/office/drawing/2014/main" id="{31C37F74-527A-8228-024B-FE7A399F83B4}"/>
+            </a:ext>
+          </a:extLst>
+        </p:cNvPr>
+        <p:cNvGrpSpPr/>
+        <p:nvPr/>
+      </p:nvGrpSpPr>
+      <p:grpSpPr>
+        <a:xfrm>
+          <a:off x="0" y="0"/>
+          <a:ext cx="0" cy="0"/>
+          <a:chOff x="0" y="0"/>
+          <a:chExt cx="0" cy="0"/>
+        </a:xfrm>
+      </p:grpSpPr>
+      <p:pic>
+        <p:nvPicPr>
+          <p:cNvPr id="5" name="Picture 4">
+            <a:extLst>
+              <a:ext uri="{FF2B5EF4-FFF2-40B4-BE49-F238E27FC236}">
+                <a16:creationId xmlns:a16="http://schemas.microsoft.com/office/drawing/2014/main" id="{E86143D7-C247-6347-0F09-A06237CEA7D3}"/>
+              </a:ext>
+            </a:extLst>
+          </p:cNvPr>
+          <p:cNvPicPr>
+            <a:picLocks noChangeAspect="1"/>
+          </p:cNvPicPr>
+          <p:nvPr/>
+        </p:nvPicPr>
+        <p:blipFill>
+          <a:blip r:embed="rId2"/>
+          <a:srcRect b="54052"/>
+          <a:stretch>
+            <a:fillRect/>
+          </a:stretch>
+        </p:blipFill>
+        <p:spPr>
+          <a:xfrm>
+            <a:off x="-1" y="10"/>
+            <a:ext cx="12192001" cy="4201449"/>
+          </a:xfrm>
+          <a:prstGeom prst="rect">
+            <a:avLst/>
+          </a:prstGeom>
+        </p:spPr>
+      </p:pic>
+      <p:sp>
+        <p:nvSpPr>
+          <p:cNvPr id="2" name="Title 1">
+            <a:extLst>
+              <a:ext uri="{FF2B5EF4-FFF2-40B4-BE49-F238E27FC236}">
+                <a16:creationId xmlns:a16="http://schemas.microsoft.com/office/drawing/2014/main" id="{A856CAB8-50F7-0B1F-3EDB-7C44B107F738}"/>
+              </a:ext>
+            </a:extLst>
+          </p:cNvPr>
+          <p:cNvSpPr>
+            <a:spLocks noGrp="1"/>
+          </p:cNvSpPr>
+          <p:nvPr>
+            <p:ph type="ctrTitle"/>
+          </p:nvPr>
+        </p:nvSpPr>
+        <p:spPr>
+          <a:xfrm>
+            <a:off x="798388" y="3597164"/>
+            <a:ext cx="10592174" cy="1000655"/>
+          </a:xfrm>
+        </p:spPr>
+        <p:txBody>
+          <a:bodyPr anchor="t">
+            <a:normAutofit/>
+          </a:bodyPr>
+          <a:lstStyle/>
+          <a:p>
+            <a:r>
+              <a:rPr lang="en-GB" sz="4000" dirty="0">
+                <a:solidFill>
+                  <a:schemeClr val="tx2"/>
+                </a:solidFill>
+              </a:rPr>
+              <a:t>Motion Capture</a:t>
+            </a:r>
+          </a:p>
+        </p:txBody>
+      </p:sp>
+    </p:spTree>
+    <p:extLst>
+      <p:ext uri="{BB962C8B-B14F-4D97-AF65-F5344CB8AC3E}">
+        <p14:creationId xmlns:p14="http://schemas.microsoft.com/office/powerpoint/2010/main" val="777982793"/>
+      </p:ext>
+    </p:extLst>
+  </p:cSld>
+  <p:clrMapOvr>
+    <a:masterClrMapping/>
+  </p:clrMapOvr>
+</p:sld>
+</file>
+
+<file path=ppt/slides/slide5.xml><?xml version="1.0" encoding="utf-8"?>
+<p:sld xmlns:a="http://schemas.openxmlformats.org/drawingml/2006/main" xmlns:r="http://schemas.openxmlformats.org/officeDocument/2006/relationships" xmlns:p="http://schemas.openxmlformats.org/presentationml/2006/main">
+  <p:cSld>
+    <p:spTree>
+      <p:nvGrpSpPr>
+        <p:cNvPr id="1" name="">
+          <a:extLst>
+            <a:ext uri="{FF2B5EF4-FFF2-40B4-BE49-F238E27FC236}">
+              <a16:creationId xmlns:a16="http://schemas.microsoft.com/office/drawing/2014/main" id="{56F336D1-863C-A9DF-C7C3-1161F17DA5E5}"/>
+            </a:ext>
+          </a:extLst>
+        </p:cNvPr>
+        <p:cNvGrpSpPr/>
+        <p:nvPr/>
+      </p:nvGrpSpPr>
+      <p:grpSpPr>
+        <a:xfrm>
+          <a:off x="0" y="0"/>
+          <a:ext cx="0" cy="0"/>
+          <a:chOff x="0" y="0"/>
+          <a:chExt cx="0" cy="0"/>
+        </a:xfrm>
+      </p:grpSpPr>
+      <p:sp>
+        <p:nvSpPr>
+          <p:cNvPr id="2" name="Title 1">
+            <a:extLst>
+              <a:ext uri="{FF2B5EF4-FFF2-40B4-BE49-F238E27FC236}">
+                <a16:creationId xmlns:a16="http://schemas.microsoft.com/office/drawing/2014/main" id="{91EBA7CD-AA37-49F4-53F0-06A0E7702AE9}"/>
+              </a:ext>
+            </a:extLst>
+          </p:cNvPr>
+          <p:cNvSpPr>
+            <a:spLocks noGrp="1"/>
+          </p:cNvSpPr>
+          <p:nvPr>
+            <p:ph type="ctrTitle"/>
+          </p:nvPr>
+        </p:nvSpPr>
+        <p:spPr>
+          <a:xfrm>
+            <a:off x="6367461" y="385482"/>
+            <a:ext cx="4984813" cy="896472"/>
+          </a:xfrm>
+          <a:noFill/>
+        </p:spPr>
+        <p:txBody>
+          <a:bodyPr>
+            <a:normAutofit/>
+          </a:bodyPr>
+          <a:lstStyle/>
+          <a:p>
+            <a:pPr algn="l"/>
+            <a:endParaRPr lang="en-GB" sz="5200" dirty="0"/>
+          </a:p>
+        </p:txBody>
+      </p:sp>
+      <p:sp>
+        <p:nvSpPr>
+          <p:cNvPr id="3" name="Subtitle 2">
+            <a:extLst>
+              <a:ext uri="{FF2B5EF4-FFF2-40B4-BE49-F238E27FC236}">
+                <a16:creationId xmlns:a16="http://schemas.microsoft.com/office/drawing/2014/main" id="{6E6A4695-8F92-D73E-70F5-CD548247366A}"/>
+              </a:ext>
+            </a:extLst>
+          </p:cNvPr>
+          <p:cNvSpPr>
+            <a:spLocks noGrp="1"/>
+          </p:cNvSpPr>
+          <p:nvPr>
+            <p:ph type="subTitle" idx="1"/>
+          </p:nvPr>
+        </p:nvSpPr>
+        <p:spPr>
+          <a:xfrm>
+            <a:off x="6367461" y="1353671"/>
+            <a:ext cx="4984813" cy="4775663"/>
+          </a:xfrm>
+          <a:noFill/>
+        </p:spPr>
+        <p:txBody>
+          <a:bodyPr>
+            <a:normAutofit/>
+          </a:bodyPr>
+          <a:lstStyle/>
+          <a:p>
+            <a:pPr algn="l"/>
+            <a:endParaRPr lang="en-GB" dirty="0"/>
+          </a:p>
+        </p:txBody>
+      </p:sp>
+      <p:pic>
+        <p:nvPicPr>
+          <p:cNvPr id="5" name="Picture 4">
+            <a:extLst>
+              <a:ext uri="{FF2B5EF4-FFF2-40B4-BE49-F238E27FC236}">
+                <a16:creationId xmlns:a16="http://schemas.microsoft.com/office/drawing/2014/main" id="{7FD1C789-4A1C-D6A0-67EC-502E76B9EAAE}"/>
+              </a:ext>
+            </a:extLst>
+          </p:cNvPr>
+          <p:cNvPicPr>
+            <a:picLocks noChangeAspect="1"/>
+          </p:cNvPicPr>
+          <p:nvPr/>
+        </p:nvPicPr>
+        <p:blipFill>
+          <a:blip r:embed="rId2"/>
+          <a:srcRect r="34323"/>
+          <a:stretch>
+            <a:fillRect/>
+          </a:stretch>
+        </p:blipFill>
+        <p:spPr>
+          <a:xfrm>
+            <a:off x="1" y="10"/>
+            <a:ext cx="6005512" cy="6857990"/>
+          </a:xfrm>
+          <a:prstGeom prst="rect">
+            <a:avLst/>
+          </a:prstGeom>
+        </p:spPr>
+      </p:pic>
+    </p:spTree>
+    <p:extLst>
+      <p:ext uri="{BB962C8B-B14F-4D97-AF65-F5344CB8AC3E}">
+        <p14:creationId xmlns:p14="http://schemas.microsoft.com/office/powerpoint/2010/main" val="1712241336"/>
+      </p:ext>
+    </p:extLst>
+  </p:cSld>
+  <p:clrMapOvr>
+    <a:masterClrMapping/>
+  </p:clrMapOvr>
+</p:sld>
+</file>
+
+<file path=ppt/slides/slide6.xml><?xml version="1.0" encoding="utf-8"?>
+<p:sld xmlns:a="http://schemas.openxmlformats.org/drawingml/2006/main" xmlns:r="http://schemas.openxmlformats.org/officeDocument/2006/relationships" xmlns:p="http://schemas.openxmlformats.org/presentationml/2006/main">
+  <p:cSld>
+    <p:spTree>
+      <p:nvGrpSpPr>
+        <p:cNvPr id="1" name="">
+          <a:extLst>
+            <a:ext uri="{FF2B5EF4-FFF2-40B4-BE49-F238E27FC236}">
+              <a16:creationId xmlns:a16="http://schemas.microsoft.com/office/drawing/2014/main" id="{D787EB88-5678-49FC-4DFD-BC37053455E0}"/>
+            </a:ext>
+          </a:extLst>
+        </p:cNvPr>
+        <p:cNvGrpSpPr/>
+        <p:nvPr/>
+      </p:nvGrpSpPr>
+      <p:grpSpPr>
+        <a:xfrm>
+          <a:off x="0" y="0"/>
+          <a:ext cx="0" cy="0"/>
+          <a:chOff x="0" y="0"/>
+          <a:chExt cx="0" cy="0"/>
+        </a:xfrm>
+      </p:grpSpPr>
+      <p:pic>
+        <p:nvPicPr>
+          <p:cNvPr id="5" name="Picture 4">
+            <a:extLst>
+              <a:ext uri="{FF2B5EF4-FFF2-40B4-BE49-F238E27FC236}">
+                <a16:creationId xmlns:a16="http://schemas.microsoft.com/office/drawing/2014/main" id="{3259A5F2-BDE2-15CB-0830-1BFB47CC3259}"/>
+              </a:ext>
+            </a:extLst>
+          </p:cNvPr>
+          <p:cNvPicPr>
+            <a:picLocks noChangeAspect="1"/>
+          </p:cNvPicPr>
+          <p:nvPr/>
+        </p:nvPicPr>
+        <p:blipFill>
+          <a:blip r:embed="rId2"/>
+          <a:srcRect b="54052"/>
+          <a:stretch>
+            <a:fillRect/>
+          </a:stretch>
+        </p:blipFill>
+        <p:spPr>
+          <a:xfrm>
+            <a:off x="-1" y="10"/>
+            <a:ext cx="12192001" cy="4201449"/>
+          </a:xfrm>
+          <a:prstGeom prst="rect">
+            <a:avLst/>
+          </a:prstGeom>
+        </p:spPr>
+      </p:pic>
+      <p:sp>
+        <p:nvSpPr>
+          <p:cNvPr id="2" name="Title 1">
+            <a:extLst>
+              <a:ext uri="{FF2B5EF4-FFF2-40B4-BE49-F238E27FC236}">
+                <a16:creationId xmlns:a16="http://schemas.microsoft.com/office/drawing/2014/main" id="{81CCDBE5-150F-602C-9155-D47E1CE1A858}"/>
+              </a:ext>
+            </a:extLst>
+          </p:cNvPr>
+          <p:cNvSpPr>
+            <a:spLocks noGrp="1"/>
+          </p:cNvSpPr>
+          <p:nvPr>
+            <p:ph type="ctrTitle"/>
+          </p:nvPr>
+        </p:nvSpPr>
+        <p:spPr>
+          <a:xfrm>
+            <a:off x="798388" y="3597164"/>
+            <a:ext cx="10592174" cy="1000655"/>
+          </a:xfrm>
+        </p:spPr>
+        <p:txBody>
+          <a:bodyPr anchor="t">
+            <a:normAutofit/>
+          </a:bodyPr>
+          <a:lstStyle/>
+          <a:p>
+            <a:r>
+              <a:rPr lang="en-GB" sz="4000" dirty="0">
+                <a:solidFill>
+                  <a:schemeClr val="tx2"/>
+                </a:solidFill>
+              </a:rPr>
+              <a:t>Scene Building</a:t>
+            </a:r>
+          </a:p>
+        </p:txBody>
+      </p:sp>
+    </p:spTree>
+    <p:extLst>
+      <p:ext uri="{BB962C8B-B14F-4D97-AF65-F5344CB8AC3E}">
+        <p14:creationId xmlns:p14="http://schemas.microsoft.com/office/powerpoint/2010/main" val="4062081678"/>
+      </p:ext>
+    </p:extLst>
+  </p:cSld>
+  <p:clrMapOvr>
+    <a:masterClrMapping/>
+  </p:clrMapOvr>
+</p:sld>
+</file>
+
+<file path=ppt/slides/slide7.xml><?xml version="1.0" encoding="utf-8"?>
+<p:sld xmlns:a="http://schemas.openxmlformats.org/drawingml/2006/main" xmlns:r="http://schemas.openxmlformats.org/officeDocument/2006/relationships" xmlns:p="http://schemas.openxmlformats.org/presentationml/2006/main">
+  <p:cSld>
+    <p:spTree>
+      <p:nvGrpSpPr>
+        <p:cNvPr id="1" name="">
+          <a:extLst>
+            <a:ext uri="{FF2B5EF4-FFF2-40B4-BE49-F238E27FC236}">
+              <a16:creationId xmlns:a16="http://schemas.microsoft.com/office/drawing/2014/main" id="{D5ED30FD-44B5-9F07-B5D5-9AD3C65FD225}"/>
+            </a:ext>
+          </a:extLst>
+        </p:cNvPr>
+        <p:cNvGrpSpPr/>
+        <p:nvPr/>
+      </p:nvGrpSpPr>
+      <p:grpSpPr>
+        <a:xfrm>
+          <a:off x="0" y="0"/>
+          <a:ext cx="0" cy="0"/>
+          <a:chOff x="0" y="0"/>
+          <a:chExt cx="0" cy="0"/>
+        </a:xfrm>
+      </p:grpSpPr>
+      <p:sp>
+        <p:nvSpPr>
+          <p:cNvPr id="2" name="Title 1">
+            <a:extLst>
+              <a:ext uri="{FF2B5EF4-FFF2-40B4-BE49-F238E27FC236}">
+                <a16:creationId xmlns:a16="http://schemas.microsoft.com/office/drawing/2014/main" id="{7AD01462-51C4-9187-296B-52EDACE9A4C9}"/>
+              </a:ext>
+            </a:extLst>
+          </p:cNvPr>
+          <p:cNvSpPr>
+            <a:spLocks noGrp="1"/>
+          </p:cNvSpPr>
+          <p:nvPr>
+            <p:ph type="ctrTitle"/>
+          </p:nvPr>
+        </p:nvSpPr>
+        <p:spPr>
+          <a:xfrm>
+            <a:off x="6367461" y="385482"/>
+            <a:ext cx="4984813" cy="896472"/>
+          </a:xfrm>
+          <a:noFill/>
+        </p:spPr>
+        <p:txBody>
+          <a:bodyPr>
+            <a:normAutofit/>
+          </a:bodyPr>
+          <a:lstStyle/>
+          <a:p>
+            <a:pPr algn="l"/>
+            <a:endParaRPr lang="en-GB" sz="5200" dirty="0"/>
+          </a:p>
+        </p:txBody>
+      </p:sp>
+      <p:sp>
+        <p:nvSpPr>
+          <p:cNvPr id="3" name="Subtitle 2">
+            <a:extLst>
+              <a:ext uri="{FF2B5EF4-FFF2-40B4-BE49-F238E27FC236}">
+                <a16:creationId xmlns:a16="http://schemas.microsoft.com/office/drawing/2014/main" id="{6EFCCC1C-DE89-D2B4-DA3F-C70B87714898}"/>
+              </a:ext>
+            </a:extLst>
+          </p:cNvPr>
+          <p:cNvSpPr>
+            <a:spLocks noGrp="1"/>
+          </p:cNvSpPr>
+          <p:nvPr>
+            <p:ph type="subTitle" idx="1"/>
+          </p:nvPr>
+        </p:nvSpPr>
+        <p:spPr>
+          <a:xfrm>
+            <a:off x="6367461" y="1353671"/>
+            <a:ext cx="4984813" cy="4775663"/>
+          </a:xfrm>
+          <a:noFill/>
+        </p:spPr>
+        <p:txBody>
+          <a:bodyPr>
+            <a:normAutofit/>
+          </a:bodyPr>
+          <a:lstStyle/>
+          <a:p>
+            <a:pPr algn="l"/>
+            <a:endParaRPr lang="en-GB" dirty="0"/>
+          </a:p>
+        </p:txBody>
+      </p:sp>
+      <p:pic>
+        <p:nvPicPr>
+          <p:cNvPr id="5" name="Picture 4">
+            <a:extLst>
+              <a:ext uri="{FF2B5EF4-FFF2-40B4-BE49-F238E27FC236}">
+                <a16:creationId xmlns:a16="http://schemas.microsoft.com/office/drawing/2014/main" id="{BE5BCB9A-133B-4C70-F18B-6D588B71468E}"/>
+              </a:ext>
+            </a:extLst>
+          </p:cNvPr>
+          <p:cNvPicPr>
+            <a:picLocks noChangeAspect="1"/>
+          </p:cNvPicPr>
+          <p:nvPr/>
+        </p:nvPicPr>
+        <p:blipFill>
+          <a:blip r:embed="rId2"/>
+          <a:srcRect r="34323"/>
+          <a:stretch>
+            <a:fillRect/>
+          </a:stretch>
+        </p:blipFill>
+        <p:spPr>
+          <a:xfrm>
+            <a:off x="1" y="10"/>
+            <a:ext cx="6005512" cy="6857990"/>
+          </a:xfrm>
+          <a:prstGeom prst="rect">
+            <a:avLst/>
+          </a:prstGeom>
+        </p:spPr>
+      </p:pic>
+    </p:spTree>
+    <p:extLst>
+      <p:ext uri="{BB962C8B-B14F-4D97-AF65-F5344CB8AC3E}">
+        <p14:creationId xmlns:p14="http://schemas.microsoft.com/office/powerpoint/2010/main" val="1883196568"/>
+      </p:ext>
+    </p:extLst>
+  </p:cSld>
+  <p:clrMapOvr>
+    <a:masterClrMapping/>
+  </p:clrMapOvr>
+</p:sld>
+</file>
+
+<file path=ppt/slides/slide8.xml><?xml version="1.0" encoding="utf-8"?>
+<p:sld xmlns:a="http://schemas.openxmlformats.org/drawingml/2006/main" xmlns:r="http://schemas.openxmlformats.org/officeDocument/2006/relationships" xmlns:p="http://schemas.openxmlformats.org/presentationml/2006/main">
+  <p:cSld>
+    <p:spTree>
+      <p:nvGrpSpPr>
+        <p:cNvPr id="1" name="">
+          <a:extLst>
+            <a:ext uri="{FF2B5EF4-FFF2-40B4-BE49-F238E27FC236}">
+              <a16:creationId xmlns:a16="http://schemas.microsoft.com/office/drawing/2014/main" id="{F0248139-486E-291C-4A17-E45481DE2E80}"/>
+            </a:ext>
+          </a:extLst>
+        </p:cNvPr>
+        <p:cNvGrpSpPr/>
+        <p:nvPr/>
+      </p:nvGrpSpPr>
+      <p:grpSpPr>
+        <a:xfrm>
+          <a:off x="0" y="0"/>
+          <a:ext cx="0" cy="0"/>
+          <a:chOff x="0" y="0"/>
+          <a:chExt cx="0" cy="0"/>
+        </a:xfrm>
+      </p:grpSpPr>
+      <p:pic>
+        <p:nvPicPr>
+          <p:cNvPr id="5" name="Picture 4">
+            <a:extLst>
+              <a:ext uri="{FF2B5EF4-FFF2-40B4-BE49-F238E27FC236}">
+                <a16:creationId xmlns:a16="http://schemas.microsoft.com/office/drawing/2014/main" id="{F7F21475-E02D-A86E-0097-FB2A2EF351A4}"/>
+              </a:ext>
+            </a:extLst>
+          </p:cNvPr>
+          <p:cNvPicPr>
+            <a:picLocks noChangeAspect="1"/>
+          </p:cNvPicPr>
+          <p:nvPr/>
+        </p:nvPicPr>
+        <p:blipFill>
+          <a:blip r:embed="rId2"/>
+          <a:srcRect b="54052"/>
+          <a:stretch>
+            <a:fillRect/>
+          </a:stretch>
+        </p:blipFill>
+        <p:spPr>
+          <a:xfrm>
+            <a:off x="-1" y="10"/>
+            <a:ext cx="12192001" cy="4201449"/>
+          </a:xfrm>
+          <a:prstGeom prst="rect">
+            <a:avLst/>
+          </a:prstGeom>
+        </p:spPr>
+      </p:pic>
+      <p:sp>
+        <p:nvSpPr>
+          <p:cNvPr id="2" name="Title 1">
+            <a:extLst>
+              <a:ext uri="{FF2B5EF4-FFF2-40B4-BE49-F238E27FC236}">
+                <a16:creationId xmlns:a16="http://schemas.microsoft.com/office/drawing/2014/main" id="{1939DB99-D7CC-8CD3-3F4D-5BCB49CCC045}"/>
+              </a:ext>
+            </a:extLst>
+          </p:cNvPr>
+          <p:cNvSpPr>
+            <a:spLocks noGrp="1"/>
+          </p:cNvSpPr>
+          <p:nvPr>
+            <p:ph type="ctrTitle"/>
+          </p:nvPr>
+        </p:nvSpPr>
+        <p:spPr>
+          <a:xfrm>
+            <a:off x="798388" y="3597164"/>
+            <a:ext cx="10592174" cy="1000655"/>
+          </a:xfrm>
+        </p:spPr>
+        <p:txBody>
+          <a:bodyPr anchor="t">
+            <a:normAutofit/>
+          </a:bodyPr>
+          <a:lstStyle/>
+          <a:p>
+            <a:r>
+              <a:rPr lang="en-GB" sz="4000" dirty="0">
+                <a:solidFill>
+                  <a:schemeClr val="tx2"/>
+                </a:solidFill>
+              </a:rPr>
+              <a:t>Final Result</a:t>
+            </a:r>
+          </a:p>
+        </p:txBody>
+      </p:sp>
+    </p:spTree>
+    <p:extLst>
+      <p:ext uri="{BB962C8B-B14F-4D97-AF65-F5344CB8AC3E}">
+        <p14:creationId xmlns:p14="http://schemas.microsoft.com/office/powerpoint/2010/main" val="2545461089"/>
+      </p:ext>
+    </p:extLst>
+  </p:cSld>
+  <p:clrMapOvr>
+    <a:masterClrMapping/>
+  </p:clrMapOvr>
+</p:sld>
+</file>
+
+<file path=ppt/slides/slide9.xml><?xml version="1.0" encoding="utf-8"?>
+<p:sld xmlns:a="http://schemas.openxmlformats.org/drawingml/2006/main" xmlns:r="http://schemas.openxmlformats.org/officeDocument/2006/relationships" xmlns:p="http://schemas.openxmlformats.org/presentationml/2006/main">
+  <p:cSld>
+    <p:spTree>
+      <p:nvGrpSpPr>
+        <p:cNvPr id="1" name="">
+          <a:extLst>
+            <a:ext uri="{FF2B5EF4-FFF2-40B4-BE49-F238E27FC236}">
+              <a16:creationId xmlns:a16="http://schemas.microsoft.com/office/drawing/2014/main" id="{0A1375DD-CD7B-D456-AE97-83F4BE264612}"/>
+            </a:ext>
+          </a:extLst>
+        </p:cNvPr>
+        <p:cNvGrpSpPr/>
+        <p:nvPr/>
+      </p:nvGrpSpPr>
+      <p:grpSpPr>
+        <a:xfrm>
+          <a:off x="0" y="0"/>
+          <a:ext cx="0" cy="0"/>
+          <a:chOff x="0" y="0"/>
+          <a:chExt cx="0" cy="0"/>
+        </a:xfrm>
+      </p:grpSpPr>
+      <p:sp>
+        <p:nvSpPr>
+          <p:cNvPr id="2" name="Title 1">
+            <a:extLst>
+              <a:ext uri="{FF2B5EF4-FFF2-40B4-BE49-F238E27FC236}">
+                <a16:creationId xmlns:a16="http://schemas.microsoft.com/office/drawing/2014/main" id="{6DF95E09-BF89-B3AB-FA3C-3DF1510B7786}"/>
+              </a:ext>
+            </a:extLst>
+          </p:cNvPr>
+          <p:cNvSpPr>
+            <a:spLocks noGrp="1"/>
+          </p:cNvSpPr>
+          <p:nvPr>
+            <p:ph type="ctrTitle"/>
+          </p:nvPr>
+        </p:nvSpPr>
+        <p:spPr>
+          <a:xfrm>
+            <a:off x="6367461" y="385482"/>
+            <a:ext cx="4984813" cy="896472"/>
+          </a:xfrm>
+          <a:noFill/>
+        </p:spPr>
+        <p:txBody>
+          <a:bodyPr>
+            <a:normAutofit/>
+          </a:bodyPr>
+          <a:lstStyle/>
+          <a:p>
+            <a:pPr algn="l"/>
+            <a:endParaRPr lang="en-GB" sz="5200" dirty="0"/>
+          </a:p>
+        </p:txBody>
+      </p:sp>
+      <p:sp>
+        <p:nvSpPr>
+          <p:cNvPr id="3" name="Subtitle 2">
+            <a:extLst>
+              <a:ext uri="{FF2B5EF4-FFF2-40B4-BE49-F238E27FC236}">
+                <a16:creationId xmlns:a16="http://schemas.microsoft.com/office/drawing/2014/main" id="{85C26B6C-ACBF-DFE4-34B8-9B6B73E27B1B}"/>
+              </a:ext>
+            </a:extLst>
+          </p:cNvPr>
+          <p:cNvSpPr>
+            <a:spLocks noGrp="1"/>
+          </p:cNvSpPr>
+          <p:nvPr>
+            <p:ph type="subTitle" idx="1"/>
+          </p:nvPr>
+        </p:nvSpPr>
+        <p:spPr>
+          <a:xfrm>
+            <a:off x="6367461" y="1353671"/>
+            <a:ext cx="4984813" cy="4775663"/>
+          </a:xfrm>
+          <a:noFill/>
+        </p:spPr>
+        <p:txBody>
+          <a:bodyPr>
+            <a:normAutofit/>
+          </a:bodyPr>
+          <a:lstStyle/>
+          <a:p>
+            <a:pPr algn="l"/>
+            <a:endParaRPr lang="en-GB" dirty="0"/>
+          </a:p>
+        </p:txBody>
+      </p:sp>
+      <p:pic>
+        <p:nvPicPr>
+          <p:cNvPr id="5" name="Picture 4">
+            <a:extLst>
+              <a:ext uri="{FF2B5EF4-FFF2-40B4-BE49-F238E27FC236}">
+                <a16:creationId xmlns:a16="http://schemas.microsoft.com/office/drawing/2014/main" id="{F7D43DBB-2DA7-8663-64A2-0A85EEC7D035}"/>
+              </a:ext>
+            </a:extLst>
+          </p:cNvPr>
+          <p:cNvPicPr>
+            <a:picLocks noChangeAspect="1"/>
+          </p:cNvPicPr>
+          <p:nvPr/>
+        </p:nvPicPr>
+        <p:blipFill>
+          <a:blip r:embed="rId2"/>
+          <a:srcRect r="34323"/>
+          <a:stretch>
+            <a:fillRect/>
+          </a:stretch>
+        </p:blipFill>
+        <p:spPr>
+          <a:xfrm>
+            <a:off x="1" y="10"/>
+            <a:ext cx="6005512" cy="6857990"/>
+          </a:xfrm>
+          <a:prstGeom prst="rect">
+            <a:avLst/>
+          </a:prstGeom>
+        </p:spPr>
+      </p:pic>
+    </p:spTree>
+    <p:extLst>
+      <p:ext uri="{BB962C8B-B14F-4D97-AF65-F5344CB8AC3E}">
+        <p14:creationId xmlns:p14="http://schemas.microsoft.com/office/powerpoint/2010/main" val="3242109680"/>
       </p:ext>
     </p:extLst>
   </p:cSld>

--- a/Santa Trackers.pptx
+++ b/Santa Trackers.pptx
@@ -12,8 +12,13 @@
     <p:sldId id="262" r:id="rId6"/>
     <p:sldId id="260" r:id="rId7"/>
     <p:sldId id="263" r:id="rId8"/>
-    <p:sldId id="261" r:id="rId9"/>
-    <p:sldId id="264" r:id="rId10"/>
+    <p:sldId id="265" r:id="rId9"/>
+    <p:sldId id="266" r:id="rId10"/>
+    <p:sldId id="261" r:id="rId11"/>
+    <p:sldId id="264" r:id="rId12"/>
+    <p:sldId id="267" r:id="rId13"/>
+    <p:sldId id="268" r:id="rId14"/>
+    <p:sldId id="269" r:id="rId15"/>
   </p:sldIdLst>
   <p:sldSz cx="12192000" cy="6858000"/>
   <p:notesSz cx="6858000" cy="9144000"/>
@@ -112,6 +117,11 @@
       </a:defRPr>
     </a:lvl9pPr>
   </p:defaultTextStyle>
+  <p:extLst>
+    <p:ext uri="{EFAFB233-063F-42B5-8137-9DF3F51BA10A}">
+      <p15:sldGuideLst xmlns:p15="http://schemas.microsoft.com/office/powerpoint/2012/main"/>
+    </p:ext>
+  </p:extLst>
 </p:presentation>
 </file>
 
@@ -264,7 +274,7 @@
           <a:p>
             <a:fld id="{A11ECC06-1CBC-4C32-B29E-C85A538AD44A}" type="datetimeFigureOut">
               <a:rPr lang="en-GB" smtClean="0"/>
-              <a:t>18/01/2026</a:t>
+              <a:t>20/01/2026</a:t>
             </a:fld>
             <a:endParaRPr lang="en-GB"/>
           </a:p>
@@ -464,7 +474,7 @@
           <a:p>
             <a:fld id="{A11ECC06-1CBC-4C32-B29E-C85A538AD44A}" type="datetimeFigureOut">
               <a:rPr lang="en-GB" smtClean="0"/>
-              <a:t>18/01/2026</a:t>
+              <a:t>20/01/2026</a:t>
             </a:fld>
             <a:endParaRPr lang="en-GB"/>
           </a:p>
@@ -674,7 +684,7 @@
           <a:p>
             <a:fld id="{A11ECC06-1CBC-4C32-B29E-C85A538AD44A}" type="datetimeFigureOut">
               <a:rPr lang="en-GB" smtClean="0"/>
-              <a:t>18/01/2026</a:t>
+              <a:t>20/01/2026</a:t>
             </a:fld>
             <a:endParaRPr lang="en-GB"/>
           </a:p>
@@ -874,7 +884,7 @@
           <a:p>
             <a:fld id="{A11ECC06-1CBC-4C32-B29E-C85A538AD44A}" type="datetimeFigureOut">
               <a:rPr lang="en-GB" smtClean="0"/>
-              <a:t>18/01/2026</a:t>
+              <a:t>20/01/2026</a:t>
             </a:fld>
             <a:endParaRPr lang="en-GB"/>
           </a:p>
@@ -1150,7 +1160,7 @@
           <a:p>
             <a:fld id="{A11ECC06-1CBC-4C32-B29E-C85A538AD44A}" type="datetimeFigureOut">
               <a:rPr lang="en-GB" smtClean="0"/>
-              <a:t>18/01/2026</a:t>
+              <a:t>20/01/2026</a:t>
             </a:fld>
             <a:endParaRPr lang="en-GB"/>
           </a:p>
@@ -1418,7 +1428,7 @@
           <a:p>
             <a:fld id="{A11ECC06-1CBC-4C32-B29E-C85A538AD44A}" type="datetimeFigureOut">
               <a:rPr lang="en-GB" smtClean="0"/>
-              <a:t>18/01/2026</a:t>
+              <a:t>20/01/2026</a:t>
             </a:fld>
             <a:endParaRPr lang="en-GB"/>
           </a:p>
@@ -1833,7 +1843,7 @@
           <a:p>
             <a:fld id="{A11ECC06-1CBC-4C32-B29E-C85A538AD44A}" type="datetimeFigureOut">
               <a:rPr lang="en-GB" smtClean="0"/>
-              <a:t>18/01/2026</a:t>
+              <a:t>20/01/2026</a:t>
             </a:fld>
             <a:endParaRPr lang="en-GB"/>
           </a:p>
@@ -1975,7 +1985,7 @@
           <a:p>
             <a:fld id="{A11ECC06-1CBC-4C32-B29E-C85A538AD44A}" type="datetimeFigureOut">
               <a:rPr lang="en-GB" smtClean="0"/>
-              <a:t>18/01/2026</a:t>
+              <a:t>20/01/2026</a:t>
             </a:fld>
             <a:endParaRPr lang="en-GB"/>
           </a:p>
@@ -2088,7 +2098,7 @@
           <a:p>
             <a:fld id="{A11ECC06-1CBC-4C32-B29E-C85A538AD44A}" type="datetimeFigureOut">
               <a:rPr lang="en-GB" smtClean="0"/>
-              <a:t>18/01/2026</a:t>
+              <a:t>20/01/2026</a:t>
             </a:fld>
             <a:endParaRPr lang="en-GB"/>
           </a:p>
@@ -2401,7 +2411,7 @@
           <a:p>
             <a:fld id="{A11ECC06-1CBC-4C32-B29E-C85A538AD44A}" type="datetimeFigureOut">
               <a:rPr lang="en-GB" smtClean="0"/>
-              <a:t>18/01/2026</a:t>
+              <a:t>20/01/2026</a:t>
             </a:fld>
             <a:endParaRPr lang="en-GB"/>
           </a:p>
@@ -2690,7 +2700,7 @@
           <a:p>
             <a:fld id="{A11ECC06-1CBC-4C32-B29E-C85A538AD44A}" type="datetimeFigureOut">
               <a:rPr lang="en-GB" smtClean="0"/>
-              <a:t>18/01/2026</a:t>
+              <a:t>20/01/2026</a:t>
             </a:fld>
             <a:endParaRPr lang="en-GB"/>
           </a:p>
@@ -2933,7 +2943,7 @@
           <a:p>
             <a:fld id="{A11ECC06-1CBC-4C32-B29E-C85A538AD44A}" type="datetimeFigureOut">
               <a:rPr lang="en-GB" smtClean="0"/>
-              <a:t>18/01/2026</a:t>
+              <a:t>20/01/2026</a:t>
             </a:fld>
             <a:endParaRPr lang="en-GB"/>
           </a:p>
@@ -5780,6 +5790,648 @@
 </p:sld>
 </file>
 
+<file path=ppt/slides/slide10.xml><?xml version="1.0" encoding="utf-8"?>
+<p:sld xmlns:a="http://schemas.openxmlformats.org/drawingml/2006/main" xmlns:r="http://schemas.openxmlformats.org/officeDocument/2006/relationships" xmlns:p="http://schemas.openxmlformats.org/presentationml/2006/main">
+  <p:cSld>
+    <p:spTree>
+      <p:nvGrpSpPr>
+        <p:cNvPr id="1" name="">
+          <a:extLst>
+            <a:ext uri="{FF2B5EF4-FFF2-40B4-BE49-F238E27FC236}">
+              <a16:creationId xmlns:a16="http://schemas.microsoft.com/office/drawing/2014/main" id="{F0248139-486E-291C-4A17-E45481DE2E80}"/>
+            </a:ext>
+          </a:extLst>
+        </p:cNvPr>
+        <p:cNvGrpSpPr/>
+        <p:nvPr/>
+      </p:nvGrpSpPr>
+      <p:grpSpPr>
+        <a:xfrm>
+          <a:off x="0" y="0"/>
+          <a:ext cx="0" cy="0"/>
+          <a:chOff x="0" y="0"/>
+          <a:chExt cx="0" cy="0"/>
+        </a:xfrm>
+      </p:grpSpPr>
+      <p:pic>
+        <p:nvPicPr>
+          <p:cNvPr id="5" name="Picture 4">
+            <a:extLst>
+              <a:ext uri="{FF2B5EF4-FFF2-40B4-BE49-F238E27FC236}">
+                <a16:creationId xmlns:a16="http://schemas.microsoft.com/office/drawing/2014/main" id="{F7F21475-E02D-A86E-0097-FB2A2EF351A4}"/>
+              </a:ext>
+            </a:extLst>
+          </p:cNvPr>
+          <p:cNvPicPr>
+            <a:picLocks noChangeAspect="1"/>
+          </p:cNvPicPr>
+          <p:nvPr/>
+        </p:nvPicPr>
+        <p:blipFill>
+          <a:blip r:embed="rId2"/>
+          <a:srcRect b="54052"/>
+          <a:stretch>
+            <a:fillRect/>
+          </a:stretch>
+        </p:blipFill>
+        <p:spPr>
+          <a:xfrm>
+            <a:off x="-1" y="10"/>
+            <a:ext cx="12192001" cy="4201449"/>
+          </a:xfrm>
+          <a:prstGeom prst="rect">
+            <a:avLst/>
+          </a:prstGeom>
+        </p:spPr>
+      </p:pic>
+      <p:sp>
+        <p:nvSpPr>
+          <p:cNvPr id="2" name="Title 1">
+            <a:extLst>
+              <a:ext uri="{FF2B5EF4-FFF2-40B4-BE49-F238E27FC236}">
+                <a16:creationId xmlns:a16="http://schemas.microsoft.com/office/drawing/2014/main" id="{1939DB99-D7CC-8CD3-3F4D-5BCB49CCC045}"/>
+              </a:ext>
+            </a:extLst>
+          </p:cNvPr>
+          <p:cNvSpPr>
+            <a:spLocks noGrp="1"/>
+          </p:cNvSpPr>
+          <p:nvPr>
+            <p:ph type="ctrTitle"/>
+          </p:nvPr>
+        </p:nvSpPr>
+        <p:spPr>
+          <a:xfrm>
+            <a:off x="798388" y="3597164"/>
+            <a:ext cx="10592174" cy="1000655"/>
+          </a:xfrm>
+        </p:spPr>
+        <p:txBody>
+          <a:bodyPr anchor="t">
+            <a:normAutofit/>
+          </a:bodyPr>
+          <a:lstStyle/>
+          <a:p>
+            <a:r>
+              <a:rPr lang="en-GB" sz="4000" dirty="0">
+                <a:solidFill>
+                  <a:schemeClr val="tx2"/>
+                </a:solidFill>
+              </a:rPr>
+              <a:t>Final Result</a:t>
+            </a:r>
+          </a:p>
+        </p:txBody>
+      </p:sp>
+    </p:spTree>
+    <p:extLst>
+      <p:ext uri="{BB962C8B-B14F-4D97-AF65-F5344CB8AC3E}">
+        <p14:creationId xmlns:p14="http://schemas.microsoft.com/office/powerpoint/2010/main" val="2545461089"/>
+      </p:ext>
+    </p:extLst>
+  </p:cSld>
+  <p:clrMapOvr>
+    <a:masterClrMapping/>
+  </p:clrMapOvr>
+</p:sld>
+</file>
+
+<file path=ppt/slides/slide11.xml><?xml version="1.0" encoding="utf-8"?>
+<p:sld xmlns:a="http://schemas.openxmlformats.org/drawingml/2006/main" xmlns:r="http://schemas.openxmlformats.org/officeDocument/2006/relationships" xmlns:p="http://schemas.openxmlformats.org/presentationml/2006/main">
+  <p:cSld>
+    <p:spTree>
+      <p:nvGrpSpPr>
+        <p:cNvPr id="1" name="">
+          <a:extLst>
+            <a:ext uri="{FF2B5EF4-FFF2-40B4-BE49-F238E27FC236}">
+              <a16:creationId xmlns:a16="http://schemas.microsoft.com/office/drawing/2014/main" id="{0A1375DD-CD7B-D456-AE97-83F4BE264612}"/>
+            </a:ext>
+          </a:extLst>
+        </p:cNvPr>
+        <p:cNvGrpSpPr/>
+        <p:nvPr/>
+      </p:nvGrpSpPr>
+      <p:grpSpPr>
+        <a:xfrm>
+          <a:off x="0" y="0"/>
+          <a:ext cx="0" cy="0"/>
+          <a:chOff x="0" y="0"/>
+          <a:chExt cx="0" cy="0"/>
+        </a:xfrm>
+      </p:grpSpPr>
+      <p:sp>
+        <p:nvSpPr>
+          <p:cNvPr id="2" name="Title 1">
+            <a:extLst>
+              <a:ext uri="{FF2B5EF4-FFF2-40B4-BE49-F238E27FC236}">
+                <a16:creationId xmlns:a16="http://schemas.microsoft.com/office/drawing/2014/main" id="{6DF95E09-BF89-B3AB-FA3C-3DF1510B7786}"/>
+              </a:ext>
+            </a:extLst>
+          </p:cNvPr>
+          <p:cNvSpPr>
+            <a:spLocks noGrp="1"/>
+          </p:cNvSpPr>
+          <p:nvPr>
+            <p:ph type="ctrTitle"/>
+          </p:nvPr>
+        </p:nvSpPr>
+        <p:spPr>
+          <a:xfrm>
+            <a:off x="6367461" y="385482"/>
+            <a:ext cx="4984813" cy="896472"/>
+          </a:xfrm>
+          <a:noFill/>
+        </p:spPr>
+        <p:txBody>
+          <a:bodyPr>
+            <a:normAutofit/>
+          </a:bodyPr>
+          <a:lstStyle/>
+          <a:p>
+            <a:pPr algn="l"/>
+            <a:endParaRPr lang="en-GB" sz="5200" dirty="0"/>
+          </a:p>
+        </p:txBody>
+      </p:sp>
+      <p:sp>
+        <p:nvSpPr>
+          <p:cNvPr id="3" name="Subtitle 2">
+            <a:extLst>
+              <a:ext uri="{FF2B5EF4-FFF2-40B4-BE49-F238E27FC236}">
+                <a16:creationId xmlns:a16="http://schemas.microsoft.com/office/drawing/2014/main" id="{85C26B6C-ACBF-DFE4-34B8-9B6B73E27B1B}"/>
+              </a:ext>
+            </a:extLst>
+          </p:cNvPr>
+          <p:cNvSpPr>
+            <a:spLocks noGrp="1"/>
+          </p:cNvSpPr>
+          <p:nvPr>
+            <p:ph type="subTitle" idx="1"/>
+          </p:nvPr>
+        </p:nvSpPr>
+        <p:spPr>
+          <a:xfrm>
+            <a:off x="6367461" y="1353671"/>
+            <a:ext cx="4984813" cy="4775663"/>
+          </a:xfrm>
+          <a:noFill/>
+        </p:spPr>
+        <p:txBody>
+          <a:bodyPr>
+            <a:normAutofit/>
+          </a:bodyPr>
+          <a:lstStyle/>
+          <a:p>
+            <a:pPr algn="l"/>
+            <a:endParaRPr lang="en-GB" dirty="0"/>
+          </a:p>
+        </p:txBody>
+      </p:sp>
+      <p:pic>
+        <p:nvPicPr>
+          <p:cNvPr id="5" name="Picture 4">
+            <a:extLst>
+              <a:ext uri="{FF2B5EF4-FFF2-40B4-BE49-F238E27FC236}">
+                <a16:creationId xmlns:a16="http://schemas.microsoft.com/office/drawing/2014/main" id="{F7D43DBB-2DA7-8663-64A2-0A85EEC7D035}"/>
+              </a:ext>
+            </a:extLst>
+          </p:cNvPr>
+          <p:cNvPicPr>
+            <a:picLocks noChangeAspect="1"/>
+          </p:cNvPicPr>
+          <p:nvPr/>
+        </p:nvPicPr>
+        <p:blipFill>
+          <a:blip r:embed="rId2"/>
+          <a:srcRect r="34323"/>
+          <a:stretch>
+            <a:fillRect/>
+          </a:stretch>
+        </p:blipFill>
+        <p:spPr>
+          <a:xfrm>
+            <a:off x="1" y="10"/>
+            <a:ext cx="6005512" cy="6857990"/>
+          </a:xfrm>
+          <a:prstGeom prst="rect">
+            <a:avLst/>
+          </a:prstGeom>
+        </p:spPr>
+      </p:pic>
+    </p:spTree>
+    <p:extLst>
+      <p:ext uri="{BB962C8B-B14F-4D97-AF65-F5344CB8AC3E}">
+        <p14:creationId xmlns:p14="http://schemas.microsoft.com/office/powerpoint/2010/main" val="3242109680"/>
+      </p:ext>
+    </p:extLst>
+  </p:cSld>
+  <p:clrMapOvr>
+    <a:masterClrMapping/>
+  </p:clrMapOvr>
+</p:sld>
+</file>
+
+<file path=ppt/slides/slide12.xml><?xml version="1.0" encoding="utf-8"?>
+<p:sld xmlns:a="http://schemas.openxmlformats.org/drawingml/2006/main" xmlns:r="http://schemas.openxmlformats.org/officeDocument/2006/relationships" xmlns:p="http://schemas.openxmlformats.org/presentationml/2006/main">
+  <p:cSld>
+    <p:spTree>
+      <p:nvGrpSpPr>
+        <p:cNvPr id="1" name="">
+          <a:extLst>
+            <a:ext uri="{FF2B5EF4-FFF2-40B4-BE49-F238E27FC236}">
+              <a16:creationId xmlns:a16="http://schemas.microsoft.com/office/drawing/2014/main" id="{08CE0A96-67A8-F55D-FF84-E61FA927BE71}"/>
+            </a:ext>
+          </a:extLst>
+        </p:cNvPr>
+        <p:cNvGrpSpPr/>
+        <p:nvPr/>
+      </p:nvGrpSpPr>
+      <p:grpSpPr>
+        <a:xfrm>
+          <a:off x="0" y="0"/>
+          <a:ext cx="0" cy="0"/>
+          <a:chOff x="0" y="0"/>
+          <a:chExt cx="0" cy="0"/>
+        </a:xfrm>
+      </p:grpSpPr>
+      <p:pic>
+        <p:nvPicPr>
+          <p:cNvPr id="5" name="Picture 4">
+            <a:extLst>
+              <a:ext uri="{FF2B5EF4-FFF2-40B4-BE49-F238E27FC236}">
+                <a16:creationId xmlns:a16="http://schemas.microsoft.com/office/drawing/2014/main" id="{728F397F-379E-C806-1921-883B818ECD21}"/>
+              </a:ext>
+            </a:extLst>
+          </p:cNvPr>
+          <p:cNvPicPr>
+            <a:picLocks noChangeAspect="1"/>
+          </p:cNvPicPr>
+          <p:nvPr/>
+        </p:nvPicPr>
+        <p:blipFill>
+          <a:blip r:embed="rId2"/>
+          <a:srcRect b="54052"/>
+          <a:stretch>
+            <a:fillRect/>
+          </a:stretch>
+        </p:blipFill>
+        <p:spPr>
+          <a:xfrm>
+            <a:off x="-1" y="10"/>
+            <a:ext cx="12192001" cy="4201449"/>
+          </a:xfrm>
+          <a:prstGeom prst="rect">
+            <a:avLst/>
+          </a:prstGeom>
+        </p:spPr>
+      </p:pic>
+      <p:sp>
+        <p:nvSpPr>
+          <p:cNvPr id="2" name="Title 1">
+            <a:extLst>
+              <a:ext uri="{FF2B5EF4-FFF2-40B4-BE49-F238E27FC236}">
+                <a16:creationId xmlns:a16="http://schemas.microsoft.com/office/drawing/2014/main" id="{07D3192F-9955-9217-606A-8E1592EE610E}"/>
+              </a:ext>
+            </a:extLst>
+          </p:cNvPr>
+          <p:cNvSpPr>
+            <a:spLocks noGrp="1"/>
+          </p:cNvSpPr>
+          <p:nvPr>
+            <p:ph type="ctrTitle"/>
+          </p:nvPr>
+        </p:nvSpPr>
+        <p:spPr>
+          <a:xfrm>
+            <a:off x="798388" y="3597164"/>
+            <a:ext cx="10592174" cy="1000655"/>
+          </a:xfrm>
+        </p:spPr>
+        <p:txBody>
+          <a:bodyPr anchor="t">
+            <a:normAutofit/>
+          </a:bodyPr>
+          <a:lstStyle/>
+          <a:p>
+            <a:r>
+              <a:rPr lang="en-GB" sz="4000" dirty="0">
+                <a:solidFill>
+                  <a:schemeClr val="tx2"/>
+                </a:solidFill>
+              </a:rPr>
+              <a:t>Bibliography, Assets and Audio</a:t>
+            </a:r>
+          </a:p>
+        </p:txBody>
+      </p:sp>
+    </p:spTree>
+    <p:extLst>
+      <p:ext uri="{BB962C8B-B14F-4D97-AF65-F5344CB8AC3E}">
+        <p14:creationId xmlns:p14="http://schemas.microsoft.com/office/powerpoint/2010/main" val="1266107255"/>
+      </p:ext>
+    </p:extLst>
+  </p:cSld>
+  <p:clrMapOvr>
+    <a:masterClrMapping/>
+  </p:clrMapOvr>
+</p:sld>
+</file>
+
+<file path=ppt/slides/slide13.xml><?xml version="1.0" encoding="utf-8"?>
+<p:sld xmlns:a="http://schemas.openxmlformats.org/drawingml/2006/main" xmlns:r="http://schemas.openxmlformats.org/officeDocument/2006/relationships" xmlns:p="http://schemas.openxmlformats.org/presentationml/2006/main">
+  <p:cSld>
+    <p:spTree>
+      <p:nvGrpSpPr>
+        <p:cNvPr id="1" name="">
+          <a:extLst>
+            <a:ext uri="{FF2B5EF4-FFF2-40B4-BE49-F238E27FC236}">
+              <a16:creationId xmlns:a16="http://schemas.microsoft.com/office/drawing/2014/main" id="{8D1DA685-7DB6-F6DF-070A-8F521571A21F}"/>
+            </a:ext>
+          </a:extLst>
+        </p:cNvPr>
+        <p:cNvGrpSpPr/>
+        <p:nvPr/>
+      </p:nvGrpSpPr>
+      <p:grpSpPr>
+        <a:xfrm>
+          <a:off x="0" y="0"/>
+          <a:ext cx="0" cy="0"/>
+          <a:chOff x="0" y="0"/>
+          <a:chExt cx="0" cy="0"/>
+        </a:xfrm>
+      </p:grpSpPr>
+      <p:sp>
+        <p:nvSpPr>
+          <p:cNvPr id="2" name="Title 1">
+            <a:extLst>
+              <a:ext uri="{FF2B5EF4-FFF2-40B4-BE49-F238E27FC236}">
+                <a16:creationId xmlns:a16="http://schemas.microsoft.com/office/drawing/2014/main" id="{176882CA-C006-9CDF-A13D-22089519A4C0}"/>
+              </a:ext>
+            </a:extLst>
+          </p:cNvPr>
+          <p:cNvSpPr>
+            <a:spLocks noGrp="1"/>
+          </p:cNvSpPr>
+          <p:nvPr>
+            <p:ph type="ctrTitle"/>
+          </p:nvPr>
+        </p:nvSpPr>
+        <p:spPr>
+          <a:xfrm>
+            <a:off x="6367461" y="385482"/>
+            <a:ext cx="4984813" cy="896472"/>
+          </a:xfrm>
+          <a:noFill/>
+        </p:spPr>
+        <p:txBody>
+          <a:bodyPr>
+            <a:normAutofit/>
+          </a:bodyPr>
+          <a:lstStyle/>
+          <a:p>
+            <a:pPr algn="l"/>
+            <a:r>
+              <a:rPr lang="en-GB" sz="4000" dirty="0"/>
+              <a:t>Bibliography:</a:t>
+            </a:r>
+          </a:p>
+        </p:txBody>
+      </p:sp>
+      <p:sp>
+        <p:nvSpPr>
+          <p:cNvPr id="3" name="Subtitle 2">
+            <a:extLst>
+              <a:ext uri="{FF2B5EF4-FFF2-40B4-BE49-F238E27FC236}">
+                <a16:creationId xmlns:a16="http://schemas.microsoft.com/office/drawing/2014/main" id="{1E1F238F-A28E-9205-D7BD-4420FB86D81E}"/>
+              </a:ext>
+            </a:extLst>
+          </p:cNvPr>
+          <p:cNvSpPr>
+            <a:spLocks noGrp="1"/>
+          </p:cNvSpPr>
+          <p:nvPr>
+            <p:ph type="subTitle" idx="1"/>
+          </p:nvPr>
+        </p:nvSpPr>
+        <p:spPr>
+          <a:xfrm>
+            <a:off x="6367461" y="1353671"/>
+            <a:ext cx="4984813" cy="4775663"/>
+          </a:xfrm>
+          <a:noFill/>
+        </p:spPr>
+        <p:txBody>
+          <a:bodyPr>
+            <a:normAutofit/>
+          </a:bodyPr>
+          <a:lstStyle/>
+          <a:p>
+            <a:pPr algn="l"/>
+            <a:endParaRPr lang="en-GB" dirty="0"/>
+          </a:p>
+        </p:txBody>
+      </p:sp>
+      <p:pic>
+        <p:nvPicPr>
+          <p:cNvPr id="5" name="Picture 4">
+            <a:extLst>
+              <a:ext uri="{FF2B5EF4-FFF2-40B4-BE49-F238E27FC236}">
+                <a16:creationId xmlns:a16="http://schemas.microsoft.com/office/drawing/2014/main" id="{F5A8E277-3310-EC6F-20D3-40E924B2AEF9}"/>
+              </a:ext>
+            </a:extLst>
+          </p:cNvPr>
+          <p:cNvPicPr>
+            <a:picLocks noChangeAspect="1"/>
+          </p:cNvPicPr>
+          <p:nvPr/>
+        </p:nvPicPr>
+        <p:blipFill>
+          <a:blip r:embed="rId2"/>
+          <a:srcRect r="34323"/>
+          <a:stretch>
+            <a:fillRect/>
+          </a:stretch>
+        </p:blipFill>
+        <p:spPr>
+          <a:xfrm>
+            <a:off x="1" y="10"/>
+            <a:ext cx="6005512" cy="6857990"/>
+          </a:xfrm>
+          <a:prstGeom prst="rect">
+            <a:avLst/>
+          </a:prstGeom>
+        </p:spPr>
+      </p:pic>
+    </p:spTree>
+    <p:extLst>
+      <p:ext uri="{BB962C8B-B14F-4D97-AF65-F5344CB8AC3E}">
+        <p14:creationId xmlns:p14="http://schemas.microsoft.com/office/powerpoint/2010/main" val="842556721"/>
+      </p:ext>
+    </p:extLst>
+  </p:cSld>
+  <p:clrMapOvr>
+    <a:masterClrMapping/>
+  </p:clrMapOvr>
+</p:sld>
+</file>
+
+<file path=ppt/slides/slide14.xml><?xml version="1.0" encoding="utf-8"?>
+<p:sld xmlns:a="http://schemas.openxmlformats.org/drawingml/2006/main" xmlns:r="http://schemas.openxmlformats.org/officeDocument/2006/relationships" xmlns:p="http://schemas.openxmlformats.org/presentationml/2006/main">
+  <p:cSld>
+    <p:spTree>
+      <p:nvGrpSpPr>
+        <p:cNvPr id="1" name="">
+          <a:extLst>
+            <a:ext uri="{FF2B5EF4-FFF2-40B4-BE49-F238E27FC236}">
+              <a16:creationId xmlns:a16="http://schemas.microsoft.com/office/drawing/2014/main" id="{BC55D9D1-1572-B6D5-A315-D8B65B8C92F9}"/>
+            </a:ext>
+          </a:extLst>
+        </p:cNvPr>
+        <p:cNvGrpSpPr/>
+        <p:nvPr/>
+      </p:nvGrpSpPr>
+      <p:grpSpPr>
+        <a:xfrm>
+          <a:off x="0" y="0"/>
+          <a:ext cx="0" cy="0"/>
+          <a:chOff x="0" y="0"/>
+          <a:chExt cx="0" cy="0"/>
+        </a:xfrm>
+      </p:grpSpPr>
+      <p:sp>
+        <p:nvSpPr>
+          <p:cNvPr id="2" name="Title 1">
+            <a:extLst>
+              <a:ext uri="{FF2B5EF4-FFF2-40B4-BE49-F238E27FC236}">
+                <a16:creationId xmlns:a16="http://schemas.microsoft.com/office/drawing/2014/main" id="{58C4B797-6D9B-D159-1847-09095D774DDE}"/>
+              </a:ext>
+            </a:extLst>
+          </p:cNvPr>
+          <p:cNvSpPr>
+            <a:spLocks noGrp="1"/>
+          </p:cNvSpPr>
+          <p:nvPr>
+            <p:ph type="ctrTitle"/>
+          </p:nvPr>
+        </p:nvSpPr>
+        <p:spPr>
+          <a:xfrm>
+            <a:off x="6367461" y="385482"/>
+            <a:ext cx="4984813" cy="896472"/>
+          </a:xfrm>
+          <a:noFill/>
+        </p:spPr>
+        <p:txBody>
+          <a:bodyPr>
+            <a:normAutofit/>
+          </a:bodyPr>
+          <a:lstStyle/>
+          <a:p>
+            <a:pPr algn="l"/>
+            <a:r>
+              <a:rPr lang="en-GB" sz="4000" dirty="0"/>
+              <a:t>Bibliography:</a:t>
+            </a:r>
+          </a:p>
+        </p:txBody>
+      </p:sp>
+      <p:sp>
+        <p:nvSpPr>
+          <p:cNvPr id="3" name="Subtitle 2">
+            <a:extLst>
+              <a:ext uri="{FF2B5EF4-FFF2-40B4-BE49-F238E27FC236}">
+                <a16:creationId xmlns:a16="http://schemas.microsoft.com/office/drawing/2014/main" id="{FCB65662-8C48-1585-0478-44520EB10702}"/>
+              </a:ext>
+            </a:extLst>
+          </p:cNvPr>
+          <p:cNvSpPr>
+            <a:spLocks noGrp="1"/>
+          </p:cNvSpPr>
+          <p:nvPr>
+            <p:ph type="subTitle" idx="1"/>
+          </p:nvPr>
+        </p:nvSpPr>
+        <p:spPr>
+          <a:xfrm>
+            <a:off x="6367461" y="1353671"/>
+            <a:ext cx="4984813" cy="4775663"/>
+          </a:xfrm>
+          <a:noFill/>
+        </p:spPr>
+        <p:txBody>
+          <a:bodyPr>
+            <a:normAutofit/>
+          </a:bodyPr>
+          <a:lstStyle/>
+          <a:p>
+            <a:pPr algn="l"/>
+            <a:r>
+              <a:rPr lang="en-GB" dirty="0"/>
+              <a:t>Just insert all the site links for the assets and audio as there are lots.</a:t>
+            </a:r>
+          </a:p>
+          <a:p>
+            <a:pPr algn="l"/>
+            <a:endParaRPr lang="en-GB" dirty="0"/>
+          </a:p>
+          <a:p>
+            <a:pPr algn="l"/>
+            <a:r>
+              <a:rPr lang="en-GB" dirty="0"/>
+              <a:t>Make sure there is text/bullet points for each image </a:t>
+            </a:r>
+            <a:r>
+              <a:rPr lang="en-GB"/>
+              <a:t>in the pptx.</a:t>
+            </a:r>
+            <a:endParaRPr lang="en-GB" dirty="0"/>
+          </a:p>
+        </p:txBody>
+      </p:sp>
+      <p:pic>
+        <p:nvPicPr>
+          <p:cNvPr id="5" name="Picture 4">
+            <a:extLst>
+              <a:ext uri="{FF2B5EF4-FFF2-40B4-BE49-F238E27FC236}">
+                <a16:creationId xmlns:a16="http://schemas.microsoft.com/office/drawing/2014/main" id="{0DEB98FE-BF43-9CC8-E6AF-BC71CA2766C3}"/>
+              </a:ext>
+            </a:extLst>
+          </p:cNvPr>
+          <p:cNvPicPr>
+            <a:picLocks noChangeAspect="1"/>
+          </p:cNvPicPr>
+          <p:nvPr/>
+        </p:nvPicPr>
+        <p:blipFill>
+          <a:blip r:embed="rId2"/>
+          <a:srcRect r="34323"/>
+          <a:stretch>
+            <a:fillRect/>
+          </a:stretch>
+        </p:blipFill>
+        <p:spPr>
+          <a:xfrm>
+            <a:off x="1" y="10"/>
+            <a:ext cx="6005512" cy="6857990"/>
+          </a:xfrm>
+          <a:prstGeom prst="rect">
+            <a:avLst/>
+          </a:prstGeom>
+        </p:spPr>
+      </p:pic>
+    </p:spTree>
+    <p:extLst>
+      <p:ext uri="{BB962C8B-B14F-4D97-AF65-F5344CB8AC3E}">
+        <p14:creationId xmlns:p14="http://schemas.microsoft.com/office/powerpoint/2010/main" val="4290379718"/>
+      </p:ext>
+    </p:extLst>
+  </p:cSld>
+  <p:clrMapOvr>
+    <a:masterClrMapping/>
+  </p:clrMapOvr>
+</p:sld>
+</file>
+
 <file path=ppt/slides/slide2.xml><?xml version="1.0" encoding="utf-8"?>
 <p:sld xmlns:a="http://schemas.openxmlformats.org/drawingml/2006/main" xmlns:r="http://schemas.openxmlformats.org/officeDocument/2006/relationships" xmlns:p="http://schemas.openxmlformats.org/presentationml/2006/main">
   <p:cSld>
@@ -9834,7 +10486,7 @@
         <p:cNvPr id="1" name="">
           <a:extLst>
             <a:ext uri="{FF2B5EF4-FFF2-40B4-BE49-F238E27FC236}">
-              <a16:creationId xmlns:a16="http://schemas.microsoft.com/office/drawing/2014/main" id="{F0248139-486E-291C-4A17-E45481DE2E80}"/>
+              <a16:creationId xmlns:a16="http://schemas.microsoft.com/office/drawing/2014/main" id="{86A35055-5DC2-6EDB-8289-EE3A650C0209}"/>
             </a:ext>
           </a:extLst>
         </p:cNvPr>
@@ -9854,7 +10506,7 @@
           <p:cNvPr id="5" name="Picture 4">
             <a:extLst>
               <a:ext uri="{FF2B5EF4-FFF2-40B4-BE49-F238E27FC236}">
-                <a16:creationId xmlns:a16="http://schemas.microsoft.com/office/drawing/2014/main" id="{F7F21475-E02D-A86E-0097-FB2A2EF351A4}"/>
+                <a16:creationId xmlns:a16="http://schemas.microsoft.com/office/drawing/2014/main" id="{3F418C67-8AB8-821B-1E0B-358E32E5E2D7}"/>
               </a:ext>
             </a:extLst>
           </p:cNvPr>
@@ -9885,7 +10537,7 @@
           <p:cNvPr id="2" name="Title 1">
             <a:extLst>
               <a:ext uri="{FF2B5EF4-FFF2-40B4-BE49-F238E27FC236}">
-                <a16:creationId xmlns:a16="http://schemas.microsoft.com/office/drawing/2014/main" id="{1939DB99-D7CC-8CD3-3F4D-5BCB49CCC045}"/>
+                <a16:creationId xmlns:a16="http://schemas.microsoft.com/office/drawing/2014/main" id="{2F06C9DD-D2F4-1ACB-D72A-05B13AC99A13}"/>
               </a:ext>
             </a:extLst>
           </p:cNvPr>
@@ -9914,7 +10566,7 @@
                   <a:schemeClr val="tx2"/>
                 </a:solidFill>
               </a:rPr>
-              <a:t>Final Result</a:t>
+              <a:t>Technical Art</a:t>
             </a:r>
           </a:p>
         </p:txBody>
@@ -9922,7 +10574,7 @@
     </p:spTree>
     <p:extLst>
       <p:ext uri="{BB962C8B-B14F-4D97-AF65-F5344CB8AC3E}">
-        <p14:creationId xmlns:p14="http://schemas.microsoft.com/office/powerpoint/2010/main" val="2545461089"/>
+        <p14:creationId xmlns:p14="http://schemas.microsoft.com/office/powerpoint/2010/main" val="627568379"/>
       </p:ext>
     </p:extLst>
   </p:cSld>
@@ -9940,7 +10592,7 @@
         <p:cNvPr id="1" name="">
           <a:extLst>
             <a:ext uri="{FF2B5EF4-FFF2-40B4-BE49-F238E27FC236}">
-              <a16:creationId xmlns:a16="http://schemas.microsoft.com/office/drawing/2014/main" id="{0A1375DD-CD7B-D456-AE97-83F4BE264612}"/>
+              <a16:creationId xmlns:a16="http://schemas.microsoft.com/office/drawing/2014/main" id="{09F3D4F7-AE6B-192A-EDFE-E392712452DD}"/>
             </a:ext>
           </a:extLst>
         </p:cNvPr>
@@ -9960,7 +10612,7 @@
           <p:cNvPr id="2" name="Title 1">
             <a:extLst>
               <a:ext uri="{FF2B5EF4-FFF2-40B4-BE49-F238E27FC236}">
-                <a16:creationId xmlns:a16="http://schemas.microsoft.com/office/drawing/2014/main" id="{6DF95E09-BF89-B3AB-FA3C-3DF1510B7786}"/>
+                <a16:creationId xmlns:a16="http://schemas.microsoft.com/office/drawing/2014/main" id="{E08295BC-3D38-B342-FCB0-B6F57819A642}"/>
               </a:ext>
             </a:extLst>
           </p:cNvPr>
@@ -9994,7 +10646,7 @@
           <p:cNvPr id="3" name="Subtitle 2">
             <a:extLst>
               <a:ext uri="{FF2B5EF4-FFF2-40B4-BE49-F238E27FC236}">
-                <a16:creationId xmlns:a16="http://schemas.microsoft.com/office/drawing/2014/main" id="{85C26B6C-ACBF-DFE4-34B8-9B6B73E27B1B}"/>
+                <a16:creationId xmlns:a16="http://schemas.microsoft.com/office/drawing/2014/main" id="{1426F51E-021F-E15C-926C-D818FFBD06F5}"/>
               </a:ext>
             </a:extLst>
           </p:cNvPr>
@@ -10028,7 +10680,7 @@
           <p:cNvPr id="5" name="Picture 4">
             <a:extLst>
               <a:ext uri="{FF2B5EF4-FFF2-40B4-BE49-F238E27FC236}">
-                <a16:creationId xmlns:a16="http://schemas.microsoft.com/office/drawing/2014/main" id="{F7D43DBB-2DA7-8663-64A2-0A85EEC7D035}"/>
+                <a16:creationId xmlns:a16="http://schemas.microsoft.com/office/drawing/2014/main" id="{8CE9DBF9-E842-C8FF-03FF-1A5CAAD1E360}"/>
               </a:ext>
             </a:extLst>
           </p:cNvPr>
@@ -10057,7 +10709,7 @@
     </p:spTree>
     <p:extLst>
       <p:ext uri="{BB962C8B-B14F-4D97-AF65-F5344CB8AC3E}">
-        <p14:creationId xmlns:p14="http://schemas.microsoft.com/office/powerpoint/2010/main" val="3242109680"/>
+        <p14:creationId xmlns:p14="http://schemas.microsoft.com/office/powerpoint/2010/main" val="2450946234"/>
       </p:ext>
     </p:extLst>
   </p:cSld>
